--- a/毕业近在咫尺/开题答辩-wsm.pptx
+++ b/毕业近在咫尺/开题答辩-wsm.pptx
@@ -252,7 +252,7 @@
           <a:p>
             <a:fld id="{141743F9-9B08-422F-9ECE-BE7148BC7DDC}" type="datetimeFigureOut">
               <a:rPr lang="zh-CN" altLang="en-US" smtClean="0"/>
-              <a:t>2024/1/18</a:t>
+              <a:t>2024/9/21</a:t>
             </a:fld>
             <a:endParaRPr lang="zh-CN" altLang="en-US"/>
           </a:p>
@@ -3101,8 +3101,8 @@
         </p:nvSpPr>
         <p:spPr>
           <a:xfrm>
-            <a:off x="2322368" y="2270560"/>
-            <a:ext cx="7571303" cy="1569660"/>
+            <a:off x="2322367" y="2270560"/>
+            <a:ext cx="7571304" cy="1569660"/>
           </a:xfrm>
           <a:prstGeom prst="rect">
             <a:avLst/>
@@ -3150,7 +3150,7 @@
                 <a:latin typeface="+mj-ea"/>
                 <a:ea typeface="+mj-ea"/>
               </a:rPr>
-              <a:t>复杂网络链路推荐算法研究</a:t>
+              <a:t>复杂网络链路优化算法研究</a:t>
             </a:r>
           </a:p>
         </p:txBody>
@@ -12963,8 +12963,8 @@
           </p:txBody>
         </p:sp>
       </p:grpSp>
-      <mc:AlternateContent xmlns:mc="http://schemas.openxmlformats.org/markup-compatibility/2006">
-        <mc:Choice xmlns:a14="http://schemas.microsoft.com/office/drawing/2010/main" Requires="a14">
+      <mc:AlternateContent xmlns:mc="http://schemas.openxmlformats.org/markup-compatibility/2006" xmlns:a14="http://schemas.microsoft.com/office/drawing/2010/main">
+        <mc:Choice Requires="a14">
           <p:sp>
             <p:nvSpPr>
               <p:cNvPr id="25" name="Rectangle 25">
@@ -13437,7 +13437,7 @@
             </p:txBody>
           </p:sp>
         </mc:Choice>
-        <mc:Fallback>
+        <mc:Fallback xmlns="">
           <p:sp>
             <p:nvSpPr>
               <p:cNvPr id="25" name="Rectangle 25">
